--- a/2018975021김현수 시스템 프로그래밍 github.pptx
+++ b/2018975021김현수 시스템 프로그래밍 github.pptx
@@ -9,7 +9,8 @@
     <p:sldId id="256" r:id="rId3"/>
     <p:sldId id="258" r:id="rId4"/>
     <p:sldId id="265" r:id="rId5"/>
-    <p:sldId id="264" r:id="rId6"/>
+    <p:sldId id="266" r:id="rId6"/>
+    <p:sldId id="264" r:id="rId7"/>
   </p:sldIdLst>
   <p:sldSz cx="12192000" cy="6858000"/>
   <p:notesSz cx="7559675" cy="10691813"/>
@@ -8092,13 +8093,22 @@
               <a:buNone/>
             </a:pPr>
             <a:r>
+              <a:rPr lang="en-US" sz="3600" spc="-1" dirty="0">
+                <a:solidFill>
+                  <a:srgbClr val="90C226"/>
+                </a:solidFill>
+                <a:latin typeface="Constantia"/>
+              </a:rPr>
+              <a:t>2</a:t>
+            </a:r>
+            <a:r>
               <a:rPr lang="en-US" sz="3600" b="0" strike="noStrike" spc="-1" dirty="0">
                 <a:solidFill>
                   <a:srgbClr val="90C226"/>
                 </a:solidFill>
                 <a:latin typeface="Constantia"/>
               </a:rPr>
-              <a:t>1. </a:t>
+              <a:t>. </a:t>
             </a:r>
             <a:r>
               <a:rPr lang="en-US" sz="3600" spc="-1" dirty="0">
@@ -8180,7 +8190,7 @@
       </p:grpSpPr>
       <p:sp>
         <p:nvSpPr>
-          <p:cNvPr id="325" name="PlaceHolder 1"/>
+          <p:cNvPr id="281" name="PlaceHolder 1"/>
           <p:cNvSpPr>
             <a:spLocks noGrp="1"/>
           </p:cNvSpPr>
@@ -8214,13 +8224,153 @@
               <a:buNone/>
             </a:pPr>
             <a:r>
+              <a:rPr lang="en-US" sz="3600" spc="-1" dirty="0">
+                <a:solidFill>
+                  <a:srgbClr val="90C226"/>
+                </a:solidFill>
+                <a:latin typeface="Constantia"/>
+              </a:rPr>
+              <a:t>3</a:t>
+            </a:r>
+            <a:r>
               <a:rPr lang="en-US" sz="3600" b="0" strike="noStrike" spc="-1" dirty="0">
                 <a:solidFill>
                   <a:srgbClr val="90C226"/>
                 </a:solidFill>
                 <a:latin typeface="Constantia"/>
               </a:rPr>
-              <a:t>3. </a:t>
+              <a:t>. </a:t>
+            </a:r>
+            <a:r>
+              <a:rPr lang="ko-KR" altLang="en-US" sz="3600" spc="-1" dirty="0">
+                <a:solidFill>
+                  <a:srgbClr val="90C226"/>
+                </a:solidFill>
+                <a:latin typeface="Constantia"/>
+              </a:rPr>
+              <a:t>폴더 캡처</a:t>
+            </a:r>
+            <a:endParaRPr lang="en-US" sz="3600" b="0" strike="noStrike" spc="-1" dirty="0">
+              <a:solidFill>
+                <a:srgbClr val="000000"/>
+              </a:solidFill>
+              <a:latin typeface="Constantia"/>
+            </a:endParaRPr>
+          </a:p>
+        </p:txBody>
+      </p:sp>
+      <p:pic>
+        <p:nvPicPr>
+          <p:cNvPr id="3" name="그림 2">
+            <a:extLst>
+              <a:ext uri="{FF2B5EF4-FFF2-40B4-BE49-F238E27FC236}">
+                <a16:creationId xmlns:a16="http://schemas.microsoft.com/office/drawing/2014/main" id="{F81632D9-D02E-AC37-982A-027BE61473CC}"/>
+              </a:ext>
+            </a:extLst>
+          </p:cNvPr>
+          <p:cNvPicPr>
+            <a:picLocks noChangeAspect="1"/>
+          </p:cNvPicPr>
+          <p:nvPr/>
+        </p:nvPicPr>
+        <p:blipFill>
+          <a:blip r:embed="rId2"/>
+          <a:stretch>
+            <a:fillRect/>
+          </a:stretch>
+        </p:blipFill>
+        <p:spPr>
+          <a:xfrm>
+            <a:off x="2983125" y="1595437"/>
+            <a:ext cx="5467350" cy="3667125"/>
+          </a:xfrm>
+          <a:prstGeom prst="rect">
+            <a:avLst/>
+          </a:prstGeom>
+        </p:spPr>
+      </p:pic>
+    </p:spTree>
+    <p:extLst>
+      <p:ext uri="{BB962C8B-B14F-4D97-AF65-F5344CB8AC3E}">
+        <p14:creationId xmlns:p14="http://schemas.microsoft.com/office/powerpoint/2010/main" val="4074308086"/>
+      </p:ext>
+    </p:extLst>
+  </p:cSld>
+  <p:clrMapOvr>
+    <a:masterClrMapping/>
+  </p:clrMapOvr>
+</p:sld>
+</file>
+
+<file path=ppt/slides/slide5.xml><?xml version="1.0" encoding="utf-8"?>
+<p:sld xmlns:a="http://schemas.openxmlformats.org/drawingml/2006/main" xmlns:r="http://schemas.openxmlformats.org/officeDocument/2006/relationships" xmlns:p="http://schemas.openxmlformats.org/presentationml/2006/main">
+  <p:cSld>
+    <p:spTree>
+      <p:nvGrpSpPr>
+        <p:cNvPr id="1" name=""/>
+        <p:cNvGrpSpPr/>
+        <p:nvPr/>
+      </p:nvGrpSpPr>
+      <p:grpSpPr>
+        <a:xfrm>
+          <a:off x="0" y="0"/>
+          <a:ext cx="0" cy="0"/>
+          <a:chOff x="0" y="0"/>
+          <a:chExt cx="0" cy="0"/>
+        </a:xfrm>
+      </p:grpSpPr>
+      <p:sp>
+        <p:nvSpPr>
+          <p:cNvPr id="325" name="PlaceHolder 1"/>
+          <p:cNvSpPr>
+            <a:spLocks noGrp="1"/>
+          </p:cNvSpPr>
+          <p:nvPr>
+            <p:ph type="title"/>
+          </p:nvPr>
+        </p:nvSpPr>
+        <p:spPr>
+          <a:xfrm>
+            <a:off x="677160" y="609480"/>
+            <a:ext cx="5039640" cy="588240"/>
+          </a:xfrm>
+          <a:prstGeom prst="rect">
+            <a:avLst/>
+          </a:prstGeom>
+          <a:noFill/>
+          <a:ln w="0">
+            <a:noFill/>
+          </a:ln>
+        </p:spPr>
+        <p:txBody>
+          <a:bodyPr anchor="t">
+            <a:normAutofit fontScale="90000"/>
+          </a:bodyPr>
+          <a:lstStyle/>
+          <a:p>
+            <a:pPr>
+              <a:lnSpc>
+                <a:spcPct val="100000"/>
+              </a:lnSpc>
+              <a:buNone/>
+            </a:pPr>
+            <a:r>
+              <a:rPr lang="en-US" sz="3600" spc="-1" dirty="0">
+                <a:solidFill>
+                  <a:srgbClr val="90C226"/>
+                </a:solidFill>
+                <a:latin typeface="Constantia"/>
+              </a:rPr>
+              <a:t>4</a:t>
+            </a:r>
+            <a:r>
+              <a:rPr lang="en-US" sz="3600" b="0" strike="noStrike" spc="-1" dirty="0">
+                <a:solidFill>
+                  <a:srgbClr val="90C226"/>
+                </a:solidFill>
+                <a:latin typeface="Constantia"/>
+              </a:rPr>
+              <a:t>. </a:t>
             </a:r>
             <a:r>
               <a:rPr lang="ko-KR" sz="3600" b="0" strike="noStrike" spc="-1" dirty="0">
@@ -8387,10 +8537,138 @@
                 </a:solidFill>
                 <a:uFillTx/>
                 <a:latin typeface="Constantia"/>
+                <a:hlinkClick r:id="rId3"/>
               </a:rPr>
               <a:t>https://github.com/WeslySloan/SystemProgramming/tree/main/home/bak</a:t>
             </a:r>
-            <a:endParaRPr lang="en-US" sz="1800" b="0" strike="noStrike" spc="-1" dirty="0">
+            <a:endParaRPr lang="en-US" sz="1800" b="0" u="sng" strike="noStrike" spc="-1" dirty="0">
+              <a:solidFill>
+                <a:srgbClr val="B2D76D"/>
+              </a:solidFill>
+              <a:uFillTx/>
+              <a:latin typeface="Constantia"/>
+            </a:endParaRPr>
+          </a:p>
+          <a:p>
+            <a:pPr>
+              <a:lnSpc>
+                <a:spcPct val="100000"/>
+              </a:lnSpc>
+              <a:spcBef>
+                <a:spcPts val="1001"/>
+              </a:spcBef>
+              <a:buNone/>
+            </a:pPr>
+            <a:endParaRPr lang="en-US" u="sng" spc="-1" dirty="0">
+              <a:solidFill>
+                <a:srgbClr val="B2D76D"/>
+              </a:solidFill>
+              <a:latin typeface="Constantia"/>
+            </a:endParaRPr>
+          </a:p>
+          <a:p>
+            <a:pPr>
+              <a:spcBef>
+                <a:spcPts val="1001"/>
+              </a:spcBef>
+            </a:pPr>
+            <a:r>
+              <a:rPr lang="ko-KR" altLang="en-US" sz="1800" b="0" u="sng" strike="noStrike" spc="-1" dirty="0">
+                <a:solidFill>
+                  <a:srgbClr val="404040"/>
+                </a:solidFill>
+                <a:uFillTx/>
+                <a:latin typeface="Constantia"/>
+              </a:rPr>
+              <a:t>점수 </a:t>
+            </a:r>
+            <a:r>
+              <a:rPr lang="en-US" altLang="ko-KR" u="sng" spc="-1" dirty="0">
+                <a:solidFill>
+                  <a:srgbClr val="404040"/>
+                </a:solidFill>
+                <a:latin typeface="Constantia"/>
+              </a:rPr>
+              <a:t>: </a:t>
+            </a:r>
+            <a:r>
+              <a:rPr lang="en-US" altLang="ko-KR" sz="1800" b="0" u="sng" strike="noStrike" spc="-1" dirty="0">
+                <a:solidFill>
+                  <a:srgbClr val="404040"/>
+                </a:solidFill>
+                <a:uFillTx/>
+                <a:latin typeface="Constantia"/>
+              </a:rPr>
+              <a:t>10</a:t>
+            </a:r>
+            <a:r>
+              <a:rPr lang="ko-KR" altLang="en-US" sz="1800" b="0" u="sng" strike="noStrike" spc="-1" dirty="0">
+                <a:solidFill>
+                  <a:srgbClr val="404040"/>
+                </a:solidFill>
+                <a:uFillTx/>
+                <a:latin typeface="Constantia"/>
+              </a:rPr>
+              <a:t>점</a:t>
+            </a:r>
+            <a:endParaRPr lang="en-US" altLang="ko-KR" sz="1800" b="0" u="sng" strike="noStrike" spc="-1" dirty="0">
+              <a:solidFill>
+                <a:srgbClr val="404040"/>
+              </a:solidFill>
+              <a:uFillTx/>
+              <a:latin typeface="Constantia"/>
+            </a:endParaRPr>
+          </a:p>
+          <a:p>
+            <a:pPr>
+              <a:lnSpc>
+                <a:spcPct val="100000"/>
+              </a:lnSpc>
+              <a:spcBef>
+                <a:spcPts val="1001"/>
+              </a:spcBef>
+              <a:buClr>
+                <a:srgbClr val="90C226"/>
+              </a:buClr>
+              <a:buSzPct val="80000"/>
+            </a:pPr>
+            <a:r>
+              <a:rPr lang="ko-KR" altLang="en-US" u="sng" spc="-1" dirty="0">
+                <a:solidFill>
+                  <a:srgbClr val="404040"/>
+                </a:solidFill>
+                <a:latin typeface="Constantia"/>
+              </a:rPr>
+              <a:t>왜냐하면 </a:t>
+            </a:r>
+            <a:r>
+              <a:rPr lang="en-US" altLang="ko-KR" u="sng" spc="-1" dirty="0">
+                <a:solidFill>
+                  <a:srgbClr val="404040"/>
+                </a:solidFill>
+                <a:latin typeface="Constantia"/>
+              </a:rPr>
+              <a:t>: </a:t>
+            </a:r>
+            <a:r>
+              <a:rPr lang="ko-KR" altLang="en-US" u="sng" spc="-1" dirty="0">
+                <a:solidFill>
+                  <a:srgbClr val="404040"/>
+                </a:solidFill>
+                <a:latin typeface="Constantia"/>
+              </a:rPr>
+              <a:t>매주 </a:t>
+            </a:r>
+            <a:r>
+              <a:rPr lang="ko-KR" altLang="en-US" u="sng" spc="-1" dirty="0" err="1">
+                <a:solidFill>
+                  <a:srgbClr val="404040"/>
+                </a:solidFill>
+                <a:latin typeface="Constantia"/>
+              </a:rPr>
+              <a:t>커밋</a:t>
+            </a:r>
+            <a:endParaRPr lang="en-US" sz="1800" b="0" u="sng" strike="noStrike" spc="-1" dirty="0">
               <a:solidFill>
                 <a:srgbClr val="404040"/>
               </a:solidFill>
